--- a/week 01/Creative Experiment.pptx
+++ b/week 01/Creative Experiment.pptx
@@ -29,15 +29,15 @@
   <p:notesSz cx="6858000" cy="9144000"/>
   <p:embeddedFontLst>
     <p:embeddedFont>
-      <p:font typeface="Calibri" panose="020F0502020204030204" pitchFamily="34" charset="0"/>
+      <p:font typeface="Open Sans Light" panose="020B0604020202020204" charset="0"/>
       <p:regular r:id="rId21"/>
-      <p:bold r:id="rId22"/>
-      <p:italic r:id="rId23"/>
-      <p:boldItalic r:id="rId24"/>
     </p:embeddedFont>
     <p:embeddedFont>
-      <p:font typeface="Open Sans Light" panose="020B0604020202020204" charset="0"/>
-      <p:regular r:id="rId25"/>
+      <p:font typeface="Calibri" panose="020F0502020204030204" pitchFamily="34" charset="0"/>
+      <p:regular r:id="rId22"/>
+      <p:bold r:id="rId23"/>
+      <p:italic r:id="rId24"/>
+      <p:boldItalic r:id="rId25"/>
     </p:embeddedFont>
     <p:embeddedFont>
       <p:font typeface="腾祥嘉丽线黑简" panose="02010600030101010101" charset="-122"/>
@@ -356,7 +356,7 @@
           <a:p>
             <a:fld id="{BF353E24-75C5-4466-B8AD-0A8FC8EA8740}" type="datetimeFigureOut">
               <a:rPr lang="zh-CN" altLang="en-US" smtClean="0"/>
-              <a:t>2017/3/12</a:t>
+              <a:t>2018/3/12</a:t>
             </a:fld>
             <a:endParaRPr lang="zh-CN" altLang="en-US"/>
           </a:p>
@@ -1164,7 +1164,7 @@
           <a:p>
             <a:fld id="{BF353E24-75C5-4466-B8AD-0A8FC8EA8740}" type="datetimeFigureOut">
               <a:rPr lang="zh-CN" altLang="en-US" smtClean="0"/>
-              <a:t>2017/3/12</a:t>
+              <a:t>2018/3/12</a:t>
             </a:fld>
             <a:endParaRPr lang="zh-CN" altLang="en-US"/>
           </a:p>
@@ -1535,7 +1535,7 @@
             <a:fld id="{BF353E24-75C5-4466-B8AD-0A8FC8EA8740}" type="datetimeFigureOut">
               <a:rPr lang="zh-CN" altLang="en-US" smtClean="0"/>
               <a:pPr/>
-              <a:t>2017/3/12</a:t>
+              <a:t>2018/3/12</a:t>
             </a:fld>
             <a:endParaRPr lang="zh-CN" altLang="en-US" dirty="0"/>
           </a:p>
@@ -2132,7 +2132,7 @@
           <a:p>
             <a:fld id="{BF353E24-75C5-4466-B8AD-0A8FC8EA8740}" type="datetimeFigureOut">
               <a:rPr lang="zh-CN" altLang="en-US" smtClean="0"/>
-              <a:t>2017/3/12</a:t>
+              <a:t>2018/3/12</a:t>
             </a:fld>
             <a:endParaRPr lang="zh-CN" altLang="en-US"/>
           </a:p>
@@ -2562,7 +2562,7 @@
           <a:p>
             <a:fld id="{BF353E24-75C5-4466-B8AD-0A8FC8EA8740}" type="datetimeFigureOut">
               <a:rPr lang="zh-CN" altLang="en-US" smtClean="0"/>
-              <a:t>2017/3/12</a:t>
+              <a:t>2018/3/12</a:t>
             </a:fld>
             <a:endParaRPr lang="zh-CN" altLang="en-US"/>
           </a:p>
@@ -3461,7 +3461,7 @@
           <a:p>
             <a:fld id="{BF353E24-75C5-4466-B8AD-0A8FC8EA8740}" type="datetimeFigureOut">
               <a:rPr lang="zh-CN" altLang="en-US" smtClean="0"/>
-              <a:t>2017/3/12</a:t>
+              <a:t>2018/3/12</a:t>
             </a:fld>
             <a:endParaRPr lang="zh-CN" altLang="en-US"/>
           </a:p>
@@ -3847,7 +3847,7 @@
           <a:p>
             <a:fld id="{BF353E24-75C5-4466-B8AD-0A8FC8EA8740}" type="datetimeFigureOut">
               <a:rPr lang="zh-CN" altLang="en-US" smtClean="0"/>
-              <a:t>2017/3/12</a:t>
+              <a:t>2018/3/12</a:t>
             </a:fld>
             <a:endParaRPr lang="zh-CN" altLang="en-US"/>
           </a:p>
@@ -4062,7 +4062,7 @@
           <a:p>
             <a:fld id="{BF353E24-75C5-4466-B8AD-0A8FC8EA8740}" type="datetimeFigureOut">
               <a:rPr lang="zh-CN" altLang="en-US" smtClean="0"/>
-              <a:t>2017/3/12</a:t>
+              <a:t>2018/3/12</a:t>
             </a:fld>
             <a:endParaRPr lang="zh-CN" altLang="en-US"/>
           </a:p>
@@ -4296,7 +4296,7 @@
             <a:fld id="{BF353E24-75C5-4466-B8AD-0A8FC8EA8740}" type="datetimeFigureOut">
               <a:rPr lang="zh-CN" altLang="en-US" smtClean="0"/>
               <a:pPr/>
-              <a:t>2017/3/12</a:t>
+              <a:t>2018/3/12</a:t>
             </a:fld>
             <a:endParaRPr lang="zh-CN" altLang="en-US"/>
           </a:p>
@@ -5649,7 +5649,6 @@
               <a:rPr lang="zh-CN" altLang="en-US" dirty="0"/>
               <a:t>集成开发环境</a:t>
             </a:r>
-            <a:endParaRPr lang="zh-CN" altLang="en-US" dirty="0"/>
           </a:p>
         </p:txBody>
       </p:sp>
@@ -6492,10 +6491,9 @@
               <a:t>pip install </a:t>
             </a:r>
             <a:r>
-              <a:rPr lang="en-US" altLang="zh-CN" dirty="0" err="1" smtClean="0"/>
+              <a:rPr lang="en-US" altLang="zh-CN" dirty="0" smtClean="0"/>
               <a:t>django</a:t>
             </a:r>
-            <a:endParaRPr lang="en-US" altLang="zh-CN" dirty="0" smtClean="0"/>
           </a:p>
           <a:p>
             <a:pPr marL="342900" indent="-342900">
@@ -6613,7 +6611,7 @@
               <a:t>测试</a:t>
             </a:r>
             <a:r>
-              <a:rPr lang="en-US" altLang="zh-CN" dirty="0" err="1" smtClean="0"/>
+              <a:rPr lang="en-US" altLang="zh-CN" dirty="0" smtClean="0"/>
               <a:t>django</a:t>
             </a:r>
             <a:r>
@@ -6639,15 +6637,7 @@
             </a:pPr>
             <a:r>
               <a:rPr lang="en-US" altLang="zh-CN" dirty="0" smtClean="0"/>
-              <a:t>import </a:t>
-            </a:r>
-            <a:r>
-              <a:rPr lang="en-US" altLang="zh-CN" dirty="0" err="1" smtClean="0"/>
-              <a:t>django</a:t>
-            </a:r>
-            <a:r>
-              <a:rPr lang="en-US" altLang="zh-CN" dirty="0" smtClean="0"/>
-              <a:t> </a:t>
+              <a:t>import django </a:t>
             </a:r>
           </a:p>
           <a:p>
@@ -6661,11 +6651,11 @@
             </a:r>
             <a:r>
               <a:rPr lang="en-US" altLang="zh-CN" dirty="0" err="1" smtClean="0"/>
-              <a:t>django</a:t>
-            </a:r>
-            <a:r>
-              <a:rPr lang="en-US" altLang="zh-CN" dirty="0" smtClean="0"/>
-              <a:t>.__version__    (</a:t>
+              <a:t>django.__version</a:t>
+            </a:r>
+            <a:r>
+              <a:rPr lang="en-US" altLang="zh-CN" dirty="0" smtClean="0"/>
+              <a:t>__    (</a:t>
             </a:r>
             <a:r>
               <a:rPr lang="zh-CN" altLang="en-US" dirty="0" smtClean="0"/>
@@ -6812,7 +6802,7 @@
         </p:spPr>
         <p:txBody>
           <a:bodyPr>
-            <a:normAutofit lnSpcReduction="10000"/>
+            <a:normAutofit fontScale="92500"/>
           </a:bodyPr>
           <a:lstStyle/>
           <a:p>
@@ -6885,7 +6875,15 @@
           <a:p>
             <a:r>
               <a:rPr lang="en-US" altLang="zh-CN" dirty="0" smtClean="0"/>
-              <a:t>Github: https://github.com/wangjin0818/creative_experiment</a:t>
+              <a:t>Github: https://</a:t>
+            </a:r>
+            <a:r>
+              <a:rPr lang="en-US" altLang="zh-CN" dirty="0" smtClean="0"/>
+              <a:t>github.com/wangjin0818/creative_experiment</a:t>
+            </a:r>
+            <a:r>
+              <a:rPr lang="en-US" altLang="zh-CN" dirty="0" smtClean="0"/>
+              <a:t>_2018</a:t>
             </a:r>
             <a:endParaRPr lang="zh-CN" altLang="en-US" dirty="0"/>
           </a:p>
